--- a/ppt 16-9/0359.好消息.pptx
+++ b/ppt 16-9/0359.好消息.pptx
@@ -129,7 +129,7 @@
           <p:cNvPr id="2" name="标题 1">
             <a:extLst>
               <a:ext uri="{FF2B5EF4-FFF2-40B4-BE49-F238E27FC236}">
-                <a16:creationId xmlns:a16="http://schemas.microsoft.com/office/drawing/2014/main" id="{93A84C08-A70D-10D7-2F12-953BB0E6A975}"/>
+                <a16:creationId xmlns:a16="http://schemas.microsoft.com/office/drawing/2014/main" id="{50ADE2D4-B4EF-6AD0-F67E-D1521B26EFC3}"/>
               </a:ext>
             </a:extLst>
           </p:cNvPr>
@@ -166,7 +166,7 @@
           <p:cNvPr id="3" name="副标题 2">
             <a:extLst>
               <a:ext uri="{FF2B5EF4-FFF2-40B4-BE49-F238E27FC236}">
-                <a16:creationId xmlns:a16="http://schemas.microsoft.com/office/drawing/2014/main" id="{35D0F236-46DA-E1D6-29AE-8EAA6CB71203}"/>
+                <a16:creationId xmlns:a16="http://schemas.microsoft.com/office/drawing/2014/main" id="{25393139-EA5E-6D89-440A-6E23B1D1E640}"/>
               </a:ext>
             </a:extLst>
           </p:cNvPr>
@@ -236,7 +236,7 @@
           <p:cNvPr id="4" name="日期占位符 3">
             <a:extLst>
               <a:ext uri="{FF2B5EF4-FFF2-40B4-BE49-F238E27FC236}">
-                <a16:creationId xmlns:a16="http://schemas.microsoft.com/office/drawing/2014/main" id="{52F3CFD8-A197-1F75-B604-200DAEBCE72E}"/>
+                <a16:creationId xmlns:a16="http://schemas.microsoft.com/office/drawing/2014/main" id="{FA803D33-1446-89AF-F7CE-6BA5ABE86613}"/>
               </a:ext>
             </a:extLst>
           </p:cNvPr>
@@ -252,7 +252,7 @@
           <a:bodyPr/>
           <a:lstStyle/>
           <a:p>
-            <a:fld id="{C7D34BE7-0F6A-4311-9AEF-CF951988EB26}" type="datetimeFigureOut">
+            <a:fld id="{7939C452-2CC5-40B2-AF3C-EF26325BC13B}" type="datetimeFigureOut">
               <a:rPr lang="zh-CN" altLang="en-US" smtClean="0"/>
               <a:t>2024/3/10</a:t>
             </a:fld>
@@ -265,7 +265,7 @@
           <p:cNvPr id="5" name="页脚占位符 4">
             <a:extLst>
               <a:ext uri="{FF2B5EF4-FFF2-40B4-BE49-F238E27FC236}">
-                <a16:creationId xmlns:a16="http://schemas.microsoft.com/office/drawing/2014/main" id="{2D7BC3E7-E85B-FBCA-B384-933F0D0C8B82}"/>
+                <a16:creationId xmlns:a16="http://schemas.microsoft.com/office/drawing/2014/main" id="{4B1B351D-2E02-EEA7-33EB-6158E663F9DF}"/>
               </a:ext>
             </a:extLst>
           </p:cNvPr>
@@ -290,7 +290,7 @@
           <p:cNvPr id="6" name="灯片编号占位符 5">
             <a:extLst>
               <a:ext uri="{FF2B5EF4-FFF2-40B4-BE49-F238E27FC236}">
-                <a16:creationId xmlns:a16="http://schemas.microsoft.com/office/drawing/2014/main" id="{040574C8-5355-4178-3F1B-2F8CFF294DAF}"/>
+                <a16:creationId xmlns:a16="http://schemas.microsoft.com/office/drawing/2014/main" id="{6789451D-3FC1-9DEB-301C-0924F661A609}"/>
               </a:ext>
             </a:extLst>
           </p:cNvPr>
@@ -306,7 +306,7 @@
           <a:bodyPr/>
           <a:lstStyle/>
           <a:p>
-            <a:fld id="{5E6BAE86-2B0D-4A20-8A14-D25350EF1A2C}" type="slidenum">
+            <a:fld id="{F2ED9E47-4363-4832-B13E-A2251D44D171}" type="slidenum">
               <a:rPr lang="zh-CN" altLang="en-US" smtClean="0"/>
               <a:t>‹#›</a:t>
             </a:fld>
@@ -317,7 +317,7 @@
     </p:spTree>
     <p:extLst>
       <p:ext uri="{BB962C8B-B14F-4D97-AF65-F5344CB8AC3E}">
-        <p14:creationId xmlns:p14="http://schemas.microsoft.com/office/powerpoint/2010/main" val="812234489"/>
+        <p14:creationId xmlns:p14="http://schemas.microsoft.com/office/powerpoint/2010/main" val="1719158705"/>
       </p:ext>
     </p:extLst>
   </p:cSld>
@@ -349,7 +349,7 @@
           <p:cNvPr id="2" name="标题 1">
             <a:extLst>
               <a:ext uri="{FF2B5EF4-FFF2-40B4-BE49-F238E27FC236}">
-                <a16:creationId xmlns:a16="http://schemas.microsoft.com/office/drawing/2014/main" id="{728563C7-751E-9EC9-0CDF-3B703A4EF9F0}"/>
+                <a16:creationId xmlns:a16="http://schemas.microsoft.com/office/drawing/2014/main" id="{AF44C2B9-EF9E-705B-3A3A-7BE458AB7241}"/>
               </a:ext>
             </a:extLst>
           </p:cNvPr>
@@ -377,7 +377,7 @@
           <p:cNvPr id="3" name="竖排文字占位符 2">
             <a:extLst>
               <a:ext uri="{FF2B5EF4-FFF2-40B4-BE49-F238E27FC236}">
-                <a16:creationId xmlns:a16="http://schemas.microsoft.com/office/drawing/2014/main" id="{EAD0C8E1-5174-59BF-F52F-78E24F5B4E17}"/>
+                <a16:creationId xmlns:a16="http://schemas.microsoft.com/office/drawing/2014/main" id="{5EA9F6A9-7945-C32C-9452-C04A8357032D}"/>
               </a:ext>
             </a:extLst>
           </p:cNvPr>
@@ -434,7 +434,7 @@
           <p:cNvPr id="4" name="日期占位符 3">
             <a:extLst>
               <a:ext uri="{FF2B5EF4-FFF2-40B4-BE49-F238E27FC236}">
-                <a16:creationId xmlns:a16="http://schemas.microsoft.com/office/drawing/2014/main" id="{12EAD7F2-3716-66EF-12F9-845B67EA6F78}"/>
+                <a16:creationId xmlns:a16="http://schemas.microsoft.com/office/drawing/2014/main" id="{FF49FEEC-87B4-E701-83CB-359C77468AF2}"/>
               </a:ext>
             </a:extLst>
           </p:cNvPr>
@@ -450,7 +450,7 @@
           <a:bodyPr/>
           <a:lstStyle/>
           <a:p>
-            <a:fld id="{C7D34BE7-0F6A-4311-9AEF-CF951988EB26}" type="datetimeFigureOut">
+            <a:fld id="{7939C452-2CC5-40B2-AF3C-EF26325BC13B}" type="datetimeFigureOut">
               <a:rPr lang="zh-CN" altLang="en-US" smtClean="0"/>
               <a:t>2024/3/10</a:t>
             </a:fld>
@@ -463,7 +463,7 @@
           <p:cNvPr id="5" name="页脚占位符 4">
             <a:extLst>
               <a:ext uri="{FF2B5EF4-FFF2-40B4-BE49-F238E27FC236}">
-                <a16:creationId xmlns:a16="http://schemas.microsoft.com/office/drawing/2014/main" id="{4044B4A9-280E-A1CE-EA1C-D660F302856B}"/>
+                <a16:creationId xmlns:a16="http://schemas.microsoft.com/office/drawing/2014/main" id="{0FA6F69D-E07C-10BB-C8BC-DEA5CF44DAA1}"/>
               </a:ext>
             </a:extLst>
           </p:cNvPr>
@@ -488,7 +488,7 @@
           <p:cNvPr id="6" name="灯片编号占位符 5">
             <a:extLst>
               <a:ext uri="{FF2B5EF4-FFF2-40B4-BE49-F238E27FC236}">
-                <a16:creationId xmlns:a16="http://schemas.microsoft.com/office/drawing/2014/main" id="{299A1100-95A4-2495-5A52-561E0F620FCC}"/>
+                <a16:creationId xmlns:a16="http://schemas.microsoft.com/office/drawing/2014/main" id="{35BDB2A0-BF44-A5E4-6F61-E9FF33EE7513}"/>
               </a:ext>
             </a:extLst>
           </p:cNvPr>
@@ -504,7 +504,7 @@
           <a:bodyPr/>
           <a:lstStyle/>
           <a:p>
-            <a:fld id="{5E6BAE86-2B0D-4A20-8A14-D25350EF1A2C}" type="slidenum">
+            <a:fld id="{F2ED9E47-4363-4832-B13E-A2251D44D171}" type="slidenum">
               <a:rPr lang="zh-CN" altLang="en-US" smtClean="0"/>
               <a:t>‹#›</a:t>
             </a:fld>
@@ -515,7 +515,7 @@
     </p:spTree>
     <p:extLst>
       <p:ext uri="{BB962C8B-B14F-4D97-AF65-F5344CB8AC3E}">
-        <p14:creationId xmlns:p14="http://schemas.microsoft.com/office/powerpoint/2010/main" val="2851170246"/>
+        <p14:creationId xmlns:p14="http://schemas.microsoft.com/office/powerpoint/2010/main" val="2148825923"/>
       </p:ext>
     </p:extLst>
   </p:cSld>
@@ -547,7 +547,7 @@
           <p:cNvPr id="2" name="竖排标题 1">
             <a:extLst>
               <a:ext uri="{FF2B5EF4-FFF2-40B4-BE49-F238E27FC236}">
-                <a16:creationId xmlns:a16="http://schemas.microsoft.com/office/drawing/2014/main" id="{C441E6E6-4DA6-5D67-0DB5-3299ED52ACCE}"/>
+                <a16:creationId xmlns:a16="http://schemas.microsoft.com/office/drawing/2014/main" id="{5B9C9187-90E5-0A88-47F1-888EA8A85315}"/>
               </a:ext>
             </a:extLst>
           </p:cNvPr>
@@ -580,7 +580,7 @@
           <p:cNvPr id="3" name="竖排文字占位符 2">
             <a:extLst>
               <a:ext uri="{FF2B5EF4-FFF2-40B4-BE49-F238E27FC236}">
-                <a16:creationId xmlns:a16="http://schemas.microsoft.com/office/drawing/2014/main" id="{238E558A-56A4-8C43-0769-B06AD64A87BC}"/>
+                <a16:creationId xmlns:a16="http://schemas.microsoft.com/office/drawing/2014/main" id="{2158AB88-7FF1-D182-998A-BA8AB53F12E1}"/>
               </a:ext>
             </a:extLst>
           </p:cNvPr>
@@ -642,7 +642,7 @@
           <p:cNvPr id="4" name="日期占位符 3">
             <a:extLst>
               <a:ext uri="{FF2B5EF4-FFF2-40B4-BE49-F238E27FC236}">
-                <a16:creationId xmlns:a16="http://schemas.microsoft.com/office/drawing/2014/main" id="{A4E5D020-4957-31FA-8B1D-22A8AE933667}"/>
+                <a16:creationId xmlns:a16="http://schemas.microsoft.com/office/drawing/2014/main" id="{9B2BB2C8-0C03-E2E5-04F2-DF0F806B0981}"/>
               </a:ext>
             </a:extLst>
           </p:cNvPr>
@@ -658,7 +658,7 @@
           <a:bodyPr/>
           <a:lstStyle/>
           <a:p>
-            <a:fld id="{C7D34BE7-0F6A-4311-9AEF-CF951988EB26}" type="datetimeFigureOut">
+            <a:fld id="{7939C452-2CC5-40B2-AF3C-EF26325BC13B}" type="datetimeFigureOut">
               <a:rPr lang="zh-CN" altLang="en-US" smtClean="0"/>
               <a:t>2024/3/10</a:t>
             </a:fld>
@@ -671,7 +671,7 @@
           <p:cNvPr id="5" name="页脚占位符 4">
             <a:extLst>
               <a:ext uri="{FF2B5EF4-FFF2-40B4-BE49-F238E27FC236}">
-                <a16:creationId xmlns:a16="http://schemas.microsoft.com/office/drawing/2014/main" id="{5194DD88-CE4A-84EE-587F-5654B112096C}"/>
+                <a16:creationId xmlns:a16="http://schemas.microsoft.com/office/drawing/2014/main" id="{7988C276-BA4A-2BC2-D4DD-510B58D03FF4}"/>
               </a:ext>
             </a:extLst>
           </p:cNvPr>
@@ -696,7 +696,7 @@
           <p:cNvPr id="6" name="灯片编号占位符 5">
             <a:extLst>
               <a:ext uri="{FF2B5EF4-FFF2-40B4-BE49-F238E27FC236}">
-                <a16:creationId xmlns:a16="http://schemas.microsoft.com/office/drawing/2014/main" id="{3728B343-CCB6-6A38-1569-839798E172A1}"/>
+                <a16:creationId xmlns:a16="http://schemas.microsoft.com/office/drawing/2014/main" id="{08A97956-F214-98AD-1F27-51EDF42B9A8B}"/>
               </a:ext>
             </a:extLst>
           </p:cNvPr>
@@ -712,7 +712,7 @@
           <a:bodyPr/>
           <a:lstStyle/>
           <a:p>
-            <a:fld id="{5E6BAE86-2B0D-4A20-8A14-D25350EF1A2C}" type="slidenum">
+            <a:fld id="{F2ED9E47-4363-4832-B13E-A2251D44D171}" type="slidenum">
               <a:rPr lang="zh-CN" altLang="en-US" smtClean="0"/>
               <a:t>‹#›</a:t>
             </a:fld>
@@ -723,7 +723,7 @@
     </p:spTree>
     <p:extLst>
       <p:ext uri="{BB962C8B-B14F-4D97-AF65-F5344CB8AC3E}">
-        <p14:creationId xmlns:p14="http://schemas.microsoft.com/office/powerpoint/2010/main" val="3429780285"/>
+        <p14:creationId xmlns:p14="http://schemas.microsoft.com/office/powerpoint/2010/main" val="2095283271"/>
       </p:ext>
     </p:extLst>
   </p:cSld>
@@ -755,7 +755,7 @@
           <p:cNvPr id="2" name="标题 1">
             <a:extLst>
               <a:ext uri="{FF2B5EF4-FFF2-40B4-BE49-F238E27FC236}">
-                <a16:creationId xmlns:a16="http://schemas.microsoft.com/office/drawing/2014/main" id="{B875E420-24DD-A357-3691-0A156DC11A69}"/>
+                <a16:creationId xmlns:a16="http://schemas.microsoft.com/office/drawing/2014/main" id="{3D0CF1C9-BB6F-2A30-956A-BED3C09B92BC}"/>
               </a:ext>
             </a:extLst>
           </p:cNvPr>
@@ -783,7 +783,7 @@
           <p:cNvPr id="3" name="内容占位符 2">
             <a:extLst>
               <a:ext uri="{FF2B5EF4-FFF2-40B4-BE49-F238E27FC236}">
-                <a16:creationId xmlns:a16="http://schemas.microsoft.com/office/drawing/2014/main" id="{077763DB-1536-B15E-3D41-CF876B01060B}"/>
+                <a16:creationId xmlns:a16="http://schemas.microsoft.com/office/drawing/2014/main" id="{6DF9283D-7BF4-F410-9342-824FEBC8D562}"/>
               </a:ext>
             </a:extLst>
           </p:cNvPr>
@@ -840,7 +840,7 @@
           <p:cNvPr id="4" name="日期占位符 3">
             <a:extLst>
               <a:ext uri="{FF2B5EF4-FFF2-40B4-BE49-F238E27FC236}">
-                <a16:creationId xmlns:a16="http://schemas.microsoft.com/office/drawing/2014/main" id="{B5EC5F81-EC25-1527-3862-5272239C2080}"/>
+                <a16:creationId xmlns:a16="http://schemas.microsoft.com/office/drawing/2014/main" id="{7378ECD8-481B-4417-E029-9D54D548FED6}"/>
               </a:ext>
             </a:extLst>
           </p:cNvPr>
@@ -856,7 +856,7 @@
           <a:bodyPr/>
           <a:lstStyle/>
           <a:p>
-            <a:fld id="{C7D34BE7-0F6A-4311-9AEF-CF951988EB26}" type="datetimeFigureOut">
+            <a:fld id="{7939C452-2CC5-40B2-AF3C-EF26325BC13B}" type="datetimeFigureOut">
               <a:rPr lang="zh-CN" altLang="en-US" smtClean="0"/>
               <a:t>2024/3/10</a:t>
             </a:fld>
@@ -869,7 +869,7 @@
           <p:cNvPr id="5" name="页脚占位符 4">
             <a:extLst>
               <a:ext uri="{FF2B5EF4-FFF2-40B4-BE49-F238E27FC236}">
-                <a16:creationId xmlns:a16="http://schemas.microsoft.com/office/drawing/2014/main" id="{06CEDDC8-6D5B-CDB5-D1A8-044C3ED0A7EB}"/>
+                <a16:creationId xmlns:a16="http://schemas.microsoft.com/office/drawing/2014/main" id="{FA156CC2-D570-6DF6-C989-1CC35C66248E}"/>
               </a:ext>
             </a:extLst>
           </p:cNvPr>
@@ -894,7 +894,7 @@
           <p:cNvPr id="6" name="灯片编号占位符 5">
             <a:extLst>
               <a:ext uri="{FF2B5EF4-FFF2-40B4-BE49-F238E27FC236}">
-                <a16:creationId xmlns:a16="http://schemas.microsoft.com/office/drawing/2014/main" id="{991107DA-C731-AC0A-539C-229027365FAE}"/>
+                <a16:creationId xmlns:a16="http://schemas.microsoft.com/office/drawing/2014/main" id="{72CE7950-8AFB-1498-055F-6AD93119560E}"/>
               </a:ext>
             </a:extLst>
           </p:cNvPr>
@@ -910,7 +910,7 @@
           <a:bodyPr/>
           <a:lstStyle/>
           <a:p>
-            <a:fld id="{5E6BAE86-2B0D-4A20-8A14-D25350EF1A2C}" type="slidenum">
+            <a:fld id="{F2ED9E47-4363-4832-B13E-A2251D44D171}" type="slidenum">
               <a:rPr lang="zh-CN" altLang="en-US" smtClean="0"/>
               <a:t>‹#›</a:t>
             </a:fld>
@@ -921,7 +921,7 @@
     </p:spTree>
     <p:extLst>
       <p:ext uri="{BB962C8B-B14F-4D97-AF65-F5344CB8AC3E}">
-        <p14:creationId xmlns:p14="http://schemas.microsoft.com/office/powerpoint/2010/main" val="1976159769"/>
+        <p14:creationId xmlns:p14="http://schemas.microsoft.com/office/powerpoint/2010/main" val="4040975895"/>
       </p:ext>
     </p:extLst>
   </p:cSld>
@@ -953,7 +953,7 @@
           <p:cNvPr id="2" name="标题 1">
             <a:extLst>
               <a:ext uri="{FF2B5EF4-FFF2-40B4-BE49-F238E27FC236}">
-                <a16:creationId xmlns:a16="http://schemas.microsoft.com/office/drawing/2014/main" id="{C520A676-7B06-F809-F8E3-ADAC990FA904}"/>
+                <a16:creationId xmlns:a16="http://schemas.microsoft.com/office/drawing/2014/main" id="{7B47F36D-5E1A-4D1A-73D5-A571AA0C5891}"/>
               </a:ext>
             </a:extLst>
           </p:cNvPr>
@@ -990,7 +990,7 @@
           <p:cNvPr id="3" name="文本占位符 2">
             <a:extLst>
               <a:ext uri="{FF2B5EF4-FFF2-40B4-BE49-F238E27FC236}">
-                <a16:creationId xmlns:a16="http://schemas.microsoft.com/office/drawing/2014/main" id="{00BD7798-00BE-6A4F-59AF-5E7CE20AE195}"/>
+                <a16:creationId xmlns:a16="http://schemas.microsoft.com/office/drawing/2014/main" id="{3642D2E6-9FF8-6A5F-6094-6E3283F8AE88}"/>
               </a:ext>
             </a:extLst>
           </p:cNvPr>
@@ -1115,7 +1115,7 @@
           <p:cNvPr id="4" name="日期占位符 3">
             <a:extLst>
               <a:ext uri="{FF2B5EF4-FFF2-40B4-BE49-F238E27FC236}">
-                <a16:creationId xmlns:a16="http://schemas.microsoft.com/office/drawing/2014/main" id="{7FB791F4-1749-E07D-FF9A-D919535B13B2}"/>
+                <a16:creationId xmlns:a16="http://schemas.microsoft.com/office/drawing/2014/main" id="{7AEAEB43-DAE2-858A-B6F1-B2FADA25CE47}"/>
               </a:ext>
             </a:extLst>
           </p:cNvPr>
@@ -1131,7 +1131,7 @@
           <a:bodyPr/>
           <a:lstStyle/>
           <a:p>
-            <a:fld id="{C7D34BE7-0F6A-4311-9AEF-CF951988EB26}" type="datetimeFigureOut">
+            <a:fld id="{7939C452-2CC5-40B2-AF3C-EF26325BC13B}" type="datetimeFigureOut">
               <a:rPr lang="zh-CN" altLang="en-US" smtClean="0"/>
               <a:t>2024/3/10</a:t>
             </a:fld>
@@ -1144,7 +1144,7 @@
           <p:cNvPr id="5" name="页脚占位符 4">
             <a:extLst>
               <a:ext uri="{FF2B5EF4-FFF2-40B4-BE49-F238E27FC236}">
-                <a16:creationId xmlns:a16="http://schemas.microsoft.com/office/drawing/2014/main" id="{15D36135-F45C-8C61-577F-B113C2BB16FD}"/>
+                <a16:creationId xmlns:a16="http://schemas.microsoft.com/office/drawing/2014/main" id="{7CE8FC75-B1EB-DD31-68E4-3691A608CC67}"/>
               </a:ext>
             </a:extLst>
           </p:cNvPr>
@@ -1169,7 +1169,7 @@
           <p:cNvPr id="6" name="灯片编号占位符 5">
             <a:extLst>
               <a:ext uri="{FF2B5EF4-FFF2-40B4-BE49-F238E27FC236}">
-                <a16:creationId xmlns:a16="http://schemas.microsoft.com/office/drawing/2014/main" id="{A8227E3B-B213-D693-27E1-EB140A012EC3}"/>
+                <a16:creationId xmlns:a16="http://schemas.microsoft.com/office/drawing/2014/main" id="{94B3D650-039C-ED16-04A9-15C9D5B5BA85}"/>
               </a:ext>
             </a:extLst>
           </p:cNvPr>
@@ -1185,7 +1185,7 @@
           <a:bodyPr/>
           <a:lstStyle/>
           <a:p>
-            <a:fld id="{5E6BAE86-2B0D-4A20-8A14-D25350EF1A2C}" type="slidenum">
+            <a:fld id="{F2ED9E47-4363-4832-B13E-A2251D44D171}" type="slidenum">
               <a:rPr lang="zh-CN" altLang="en-US" smtClean="0"/>
               <a:t>‹#›</a:t>
             </a:fld>
@@ -1196,7 +1196,7 @@
     </p:spTree>
     <p:extLst>
       <p:ext uri="{BB962C8B-B14F-4D97-AF65-F5344CB8AC3E}">
-        <p14:creationId xmlns:p14="http://schemas.microsoft.com/office/powerpoint/2010/main" val="376742344"/>
+        <p14:creationId xmlns:p14="http://schemas.microsoft.com/office/powerpoint/2010/main" val="2035818807"/>
       </p:ext>
     </p:extLst>
   </p:cSld>
@@ -1228,7 +1228,7 @@
           <p:cNvPr id="2" name="标题 1">
             <a:extLst>
               <a:ext uri="{FF2B5EF4-FFF2-40B4-BE49-F238E27FC236}">
-                <a16:creationId xmlns:a16="http://schemas.microsoft.com/office/drawing/2014/main" id="{CABFB457-15C7-79F4-B740-D3189736CB44}"/>
+                <a16:creationId xmlns:a16="http://schemas.microsoft.com/office/drawing/2014/main" id="{C8E97A14-96EF-F044-959A-C06223E586C8}"/>
               </a:ext>
             </a:extLst>
           </p:cNvPr>
@@ -1256,7 +1256,7 @@
           <p:cNvPr id="3" name="内容占位符 2">
             <a:extLst>
               <a:ext uri="{FF2B5EF4-FFF2-40B4-BE49-F238E27FC236}">
-                <a16:creationId xmlns:a16="http://schemas.microsoft.com/office/drawing/2014/main" id="{4FCDDC91-1817-7D69-9F7E-0D5022E5A080}"/>
+                <a16:creationId xmlns:a16="http://schemas.microsoft.com/office/drawing/2014/main" id="{A9645C3D-1D27-4AAF-405F-50CF34D45209}"/>
               </a:ext>
             </a:extLst>
           </p:cNvPr>
@@ -1318,7 +1318,7 @@
           <p:cNvPr id="4" name="内容占位符 3">
             <a:extLst>
               <a:ext uri="{FF2B5EF4-FFF2-40B4-BE49-F238E27FC236}">
-                <a16:creationId xmlns:a16="http://schemas.microsoft.com/office/drawing/2014/main" id="{B679C741-08E9-470D-40EA-5F14367B6499}"/>
+                <a16:creationId xmlns:a16="http://schemas.microsoft.com/office/drawing/2014/main" id="{23874A6D-988C-2991-2FF4-3BAE85E87EC1}"/>
               </a:ext>
             </a:extLst>
           </p:cNvPr>
@@ -1380,7 +1380,7 @@
           <p:cNvPr id="5" name="日期占位符 4">
             <a:extLst>
               <a:ext uri="{FF2B5EF4-FFF2-40B4-BE49-F238E27FC236}">
-                <a16:creationId xmlns:a16="http://schemas.microsoft.com/office/drawing/2014/main" id="{57B60135-373B-748B-E7AF-108DC30A2B12}"/>
+                <a16:creationId xmlns:a16="http://schemas.microsoft.com/office/drawing/2014/main" id="{517FF6C7-3A2A-A6BD-27AE-EACB76320ABB}"/>
               </a:ext>
             </a:extLst>
           </p:cNvPr>
@@ -1396,7 +1396,7 @@
           <a:bodyPr/>
           <a:lstStyle/>
           <a:p>
-            <a:fld id="{C7D34BE7-0F6A-4311-9AEF-CF951988EB26}" type="datetimeFigureOut">
+            <a:fld id="{7939C452-2CC5-40B2-AF3C-EF26325BC13B}" type="datetimeFigureOut">
               <a:rPr lang="zh-CN" altLang="en-US" smtClean="0"/>
               <a:t>2024/3/10</a:t>
             </a:fld>
@@ -1409,7 +1409,7 @@
           <p:cNvPr id="6" name="页脚占位符 5">
             <a:extLst>
               <a:ext uri="{FF2B5EF4-FFF2-40B4-BE49-F238E27FC236}">
-                <a16:creationId xmlns:a16="http://schemas.microsoft.com/office/drawing/2014/main" id="{A3DAE250-B6D1-478F-4FEF-DBE327F3C8FC}"/>
+                <a16:creationId xmlns:a16="http://schemas.microsoft.com/office/drawing/2014/main" id="{145CF327-A724-2A7E-4AFD-B7AD0D02D757}"/>
               </a:ext>
             </a:extLst>
           </p:cNvPr>
@@ -1434,7 +1434,7 @@
           <p:cNvPr id="7" name="灯片编号占位符 6">
             <a:extLst>
               <a:ext uri="{FF2B5EF4-FFF2-40B4-BE49-F238E27FC236}">
-                <a16:creationId xmlns:a16="http://schemas.microsoft.com/office/drawing/2014/main" id="{91975C94-1CF7-EA26-74B4-5C55A7FDC7F8}"/>
+                <a16:creationId xmlns:a16="http://schemas.microsoft.com/office/drawing/2014/main" id="{C31E9826-30BB-A974-D4EB-74940DF49FC4}"/>
               </a:ext>
             </a:extLst>
           </p:cNvPr>
@@ -1450,7 +1450,7 @@
           <a:bodyPr/>
           <a:lstStyle/>
           <a:p>
-            <a:fld id="{5E6BAE86-2B0D-4A20-8A14-D25350EF1A2C}" type="slidenum">
+            <a:fld id="{F2ED9E47-4363-4832-B13E-A2251D44D171}" type="slidenum">
               <a:rPr lang="zh-CN" altLang="en-US" smtClean="0"/>
               <a:t>‹#›</a:t>
             </a:fld>
@@ -1461,7 +1461,7 @@
     </p:spTree>
     <p:extLst>
       <p:ext uri="{BB962C8B-B14F-4D97-AF65-F5344CB8AC3E}">
-        <p14:creationId xmlns:p14="http://schemas.microsoft.com/office/powerpoint/2010/main" val="3334849765"/>
+        <p14:creationId xmlns:p14="http://schemas.microsoft.com/office/powerpoint/2010/main" val="2065137872"/>
       </p:ext>
     </p:extLst>
   </p:cSld>
@@ -1493,7 +1493,7 @@
           <p:cNvPr id="2" name="标题 1">
             <a:extLst>
               <a:ext uri="{FF2B5EF4-FFF2-40B4-BE49-F238E27FC236}">
-                <a16:creationId xmlns:a16="http://schemas.microsoft.com/office/drawing/2014/main" id="{AE6CAD56-7F5E-C318-49CF-80EFE3B3679C}"/>
+                <a16:creationId xmlns:a16="http://schemas.microsoft.com/office/drawing/2014/main" id="{841B201E-87CE-DB1E-09B6-40EDF68E5ED4}"/>
               </a:ext>
             </a:extLst>
           </p:cNvPr>
@@ -1526,7 +1526,7 @@
           <p:cNvPr id="3" name="文本占位符 2">
             <a:extLst>
               <a:ext uri="{FF2B5EF4-FFF2-40B4-BE49-F238E27FC236}">
-                <a16:creationId xmlns:a16="http://schemas.microsoft.com/office/drawing/2014/main" id="{4E4A9A48-EDE7-F603-980A-1FB945EE80B3}"/>
+                <a16:creationId xmlns:a16="http://schemas.microsoft.com/office/drawing/2014/main" id="{556C72C9-40DA-7B28-6D52-E4C6C00C1820}"/>
               </a:ext>
             </a:extLst>
           </p:cNvPr>
@@ -1597,7 +1597,7 @@
           <p:cNvPr id="4" name="内容占位符 3">
             <a:extLst>
               <a:ext uri="{FF2B5EF4-FFF2-40B4-BE49-F238E27FC236}">
-                <a16:creationId xmlns:a16="http://schemas.microsoft.com/office/drawing/2014/main" id="{22027DA4-6032-DEB4-FA13-185D8016815C}"/>
+                <a16:creationId xmlns:a16="http://schemas.microsoft.com/office/drawing/2014/main" id="{411C2284-1512-40F9-6ED6-6C8F1AD03394}"/>
               </a:ext>
             </a:extLst>
           </p:cNvPr>
@@ -1659,7 +1659,7 @@
           <p:cNvPr id="5" name="文本占位符 4">
             <a:extLst>
               <a:ext uri="{FF2B5EF4-FFF2-40B4-BE49-F238E27FC236}">
-                <a16:creationId xmlns:a16="http://schemas.microsoft.com/office/drawing/2014/main" id="{19869687-150A-1EE8-3A0A-2DA4D88C90D0}"/>
+                <a16:creationId xmlns:a16="http://schemas.microsoft.com/office/drawing/2014/main" id="{5DE462DD-8767-118D-1FF6-605477B931EE}"/>
               </a:ext>
             </a:extLst>
           </p:cNvPr>
@@ -1730,7 +1730,7 @@
           <p:cNvPr id="6" name="内容占位符 5">
             <a:extLst>
               <a:ext uri="{FF2B5EF4-FFF2-40B4-BE49-F238E27FC236}">
-                <a16:creationId xmlns:a16="http://schemas.microsoft.com/office/drawing/2014/main" id="{691C8994-E09F-2DE5-857B-918D787C652E}"/>
+                <a16:creationId xmlns:a16="http://schemas.microsoft.com/office/drawing/2014/main" id="{89105E67-75F4-22A5-25D0-C52DF63003D7}"/>
               </a:ext>
             </a:extLst>
           </p:cNvPr>
@@ -1792,7 +1792,7 @@
           <p:cNvPr id="7" name="日期占位符 6">
             <a:extLst>
               <a:ext uri="{FF2B5EF4-FFF2-40B4-BE49-F238E27FC236}">
-                <a16:creationId xmlns:a16="http://schemas.microsoft.com/office/drawing/2014/main" id="{D26A3358-90D2-1A9C-9D11-515E04A2B32B}"/>
+                <a16:creationId xmlns:a16="http://schemas.microsoft.com/office/drawing/2014/main" id="{8FFF2658-BFCA-0196-1A87-50E7411A812D}"/>
               </a:ext>
             </a:extLst>
           </p:cNvPr>
@@ -1808,7 +1808,7 @@
           <a:bodyPr/>
           <a:lstStyle/>
           <a:p>
-            <a:fld id="{C7D34BE7-0F6A-4311-9AEF-CF951988EB26}" type="datetimeFigureOut">
+            <a:fld id="{7939C452-2CC5-40B2-AF3C-EF26325BC13B}" type="datetimeFigureOut">
               <a:rPr lang="zh-CN" altLang="en-US" smtClean="0"/>
               <a:t>2024/3/10</a:t>
             </a:fld>
@@ -1821,7 +1821,7 @@
           <p:cNvPr id="8" name="页脚占位符 7">
             <a:extLst>
               <a:ext uri="{FF2B5EF4-FFF2-40B4-BE49-F238E27FC236}">
-                <a16:creationId xmlns:a16="http://schemas.microsoft.com/office/drawing/2014/main" id="{2B42F606-3405-AF22-2B9E-7AC2A4A06200}"/>
+                <a16:creationId xmlns:a16="http://schemas.microsoft.com/office/drawing/2014/main" id="{564A3ABE-7012-3B20-544B-CB19282F9673}"/>
               </a:ext>
             </a:extLst>
           </p:cNvPr>
@@ -1846,7 +1846,7 @@
           <p:cNvPr id="9" name="灯片编号占位符 8">
             <a:extLst>
               <a:ext uri="{FF2B5EF4-FFF2-40B4-BE49-F238E27FC236}">
-                <a16:creationId xmlns:a16="http://schemas.microsoft.com/office/drawing/2014/main" id="{B3BEB8DF-88F1-B133-69F6-84BBB5A00622}"/>
+                <a16:creationId xmlns:a16="http://schemas.microsoft.com/office/drawing/2014/main" id="{C5C8A275-C730-7654-AFA3-08C5232B1A2C}"/>
               </a:ext>
             </a:extLst>
           </p:cNvPr>
@@ -1862,7 +1862,7 @@
           <a:bodyPr/>
           <a:lstStyle/>
           <a:p>
-            <a:fld id="{5E6BAE86-2B0D-4A20-8A14-D25350EF1A2C}" type="slidenum">
+            <a:fld id="{F2ED9E47-4363-4832-B13E-A2251D44D171}" type="slidenum">
               <a:rPr lang="zh-CN" altLang="en-US" smtClean="0"/>
               <a:t>‹#›</a:t>
             </a:fld>
@@ -1873,7 +1873,7 @@
     </p:spTree>
     <p:extLst>
       <p:ext uri="{BB962C8B-B14F-4D97-AF65-F5344CB8AC3E}">
-        <p14:creationId xmlns:p14="http://schemas.microsoft.com/office/powerpoint/2010/main" val="3394684655"/>
+        <p14:creationId xmlns:p14="http://schemas.microsoft.com/office/powerpoint/2010/main" val="1298227874"/>
       </p:ext>
     </p:extLst>
   </p:cSld>
@@ -1905,7 +1905,7 @@
           <p:cNvPr id="2" name="标题 1">
             <a:extLst>
               <a:ext uri="{FF2B5EF4-FFF2-40B4-BE49-F238E27FC236}">
-                <a16:creationId xmlns:a16="http://schemas.microsoft.com/office/drawing/2014/main" id="{FDEFC891-2A93-F5EE-510A-101E49B75DD5}"/>
+                <a16:creationId xmlns:a16="http://schemas.microsoft.com/office/drawing/2014/main" id="{2E8E2019-5902-481E-1102-932FBBAB804C}"/>
               </a:ext>
             </a:extLst>
           </p:cNvPr>
@@ -1933,7 +1933,7 @@
           <p:cNvPr id="3" name="日期占位符 2">
             <a:extLst>
               <a:ext uri="{FF2B5EF4-FFF2-40B4-BE49-F238E27FC236}">
-                <a16:creationId xmlns:a16="http://schemas.microsoft.com/office/drawing/2014/main" id="{C7EFB7CD-8989-096A-BA72-1460F4CA0D38}"/>
+                <a16:creationId xmlns:a16="http://schemas.microsoft.com/office/drawing/2014/main" id="{C6176398-FDF2-503C-ED1D-AB7AFBFC6CD0}"/>
               </a:ext>
             </a:extLst>
           </p:cNvPr>
@@ -1949,7 +1949,7 @@
           <a:bodyPr/>
           <a:lstStyle/>
           <a:p>
-            <a:fld id="{C7D34BE7-0F6A-4311-9AEF-CF951988EB26}" type="datetimeFigureOut">
+            <a:fld id="{7939C452-2CC5-40B2-AF3C-EF26325BC13B}" type="datetimeFigureOut">
               <a:rPr lang="zh-CN" altLang="en-US" smtClean="0"/>
               <a:t>2024/3/10</a:t>
             </a:fld>
@@ -1962,7 +1962,7 @@
           <p:cNvPr id="4" name="页脚占位符 3">
             <a:extLst>
               <a:ext uri="{FF2B5EF4-FFF2-40B4-BE49-F238E27FC236}">
-                <a16:creationId xmlns:a16="http://schemas.microsoft.com/office/drawing/2014/main" id="{ECCC623F-A2BE-99A7-C7F5-5C711CFE8BBB}"/>
+                <a16:creationId xmlns:a16="http://schemas.microsoft.com/office/drawing/2014/main" id="{98578453-5250-EE70-B7FC-4CBE8DD652C4}"/>
               </a:ext>
             </a:extLst>
           </p:cNvPr>
@@ -1987,7 +1987,7 @@
           <p:cNvPr id="5" name="灯片编号占位符 4">
             <a:extLst>
               <a:ext uri="{FF2B5EF4-FFF2-40B4-BE49-F238E27FC236}">
-                <a16:creationId xmlns:a16="http://schemas.microsoft.com/office/drawing/2014/main" id="{1AAE0288-6098-54A5-9526-72ADE145668B}"/>
+                <a16:creationId xmlns:a16="http://schemas.microsoft.com/office/drawing/2014/main" id="{CD0F1835-9172-F0FC-D6DE-4C0FA27E1E3E}"/>
               </a:ext>
             </a:extLst>
           </p:cNvPr>
@@ -2003,7 +2003,7 @@
           <a:bodyPr/>
           <a:lstStyle/>
           <a:p>
-            <a:fld id="{5E6BAE86-2B0D-4A20-8A14-D25350EF1A2C}" type="slidenum">
+            <a:fld id="{F2ED9E47-4363-4832-B13E-A2251D44D171}" type="slidenum">
               <a:rPr lang="zh-CN" altLang="en-US" smtClean="0"/>
               <a:t>‹#›</a:t>
             </a:fld>
@@ -2014,7 +2014,7 @@
     </p:spTree>
     <p:extLst>
       <p:ext uri="{BB962C8B-B14F-4D97-AF65-F5344CB8AC3E}">
-        <p14:creationId xmlns:p14="http://schemas.microsoft.com/office/powerpoint/2010/main" val="3556158396"/>
+        <p14:creationId xmlns:p14="http://schemas.microsoft.com/office/powerpoint/2010/main" val="1843765186"/>
       </p:ext>
     </p:extLst>
   </p:cSld>
@@ -2046,7 +2046,7 @@
           <p:cNvPr id="2" name="日期占位符 1">
             <a:extLst>
               <a:ext uri="{FF2B5EF4-FFF2-40B4-BE49-F238E27FC236}">
-                <a16:creationId xmlns:a16="http://schemas.microsoft.com/office/drawing/2014/main" id="{7CD7D4A8-D18C-F504-8D5D-305325D5F786}"/>
+                <a16:creationId xmlns:a16="http://schemas.microsoft.com/office/drawing/2014/main" id="{987784BF-25F8-CD03-68B6-E1B59126EECC}"/>
               </a:ext>
             </a:extLst>
           </p:cNvPr>
@@ -2062,7 +2062,7 @@
           <a:bodyPr/>
           <a:lstStyle/>
           <a:p>
-            <a:fld id="{C7D34BE7-0F6A-4311-9AEF-CF951988EB26}" type="datetimeFigureOut">
+            <a:fld id="{7939C452-2CC5-40B2-AF3C-EF26325BC13B}" type="datetimeFigureOut">
               <a:rPr lang="zh-CN" altLang="en-US" smtClean="0"/>
               <a:t>2024/3/10</a:t>
             </a:fld>
@@ -2075,7 +2075,7 @@
           <p:cNvPr id="3" name="页脚占位符 2">
             <a:extLst>
               <a:ext uri="{FF2B5EF4-FFF2-40B4-BE49-F238E27FC236}">
-                <a16:creationId xmlns:a16="http://schemas.microsoft.com/office/drawing/2014/main" id="{C771DB28-F0E3-9978-7BB6-60EF503C35B3}"/>
+                <a16:creationId xmlns:a16="http://schemas.microsoft.com/office/drawing/2014/main" id="{8178E100-10CD-4818-084F-72F4B9C5816F}"/>
               </a:ext>
             </a:extLst>
           </p:cNvPr>
@@ -2100,7 +2100,7 @@
           <p:cNvPr id="4" name="灯片编号占位符 3">
             <a:extLst>
               <a:ext uri="{FF2B5EF4-FFF2-40B4-BE49-F238E27FC236}">
-                <a16:creationId xmlns:a16="http://schemas.microsoft.com/office/drawing/2014/main" id="{85355E0C-323E-004C-88D2-D26F0D91366D}"/>
+                <a16:creationId xmlns:a16="http://schemas.microsoft.com/office/drawing/2014/main" id="{5F5EF15C-C845-C96B-353F-1876A02BE6C5}"/>
               </a:ext>
             </a:extLst>
           </p:cNvPr>
@@ -2116,7 +2116,7 @@
           <a:bodyPr/>
           <a:lstStyle/>
           <a:p>
-            <a:fld id="{5E6BAE86-2B0D-4A20-8A14-D25350EF1A2C}" type="slidenum">
+            <a:fld id="{F2ED9E47-4363-4832-B13E-A2251D44D171}" type="slidenum">
               <a:rPr lang="zh-CN" altLang="en-US" smtClean="0"/>
               <a:t>‹#›</a:t>
             </a:fld>
@@ -2127,7 +2127,7 @@
     </p:spTree>
     <p:extLst>
       <p:ext uri="{BB962C8B-B14F-4D97-AF65-F5344CB8AC3E}">
-        <p14:creationId xmlns:p14="http://schemas.microsoft.com/office/powerpoint/2010/main" val="4097934586"/>
+        <p14:creationId xmlns:p14="http://schemas.microsoft.com/office/powerpoint/2010/main" val="3129574404"/>
       </p:ext>
     </p:extLst>
   </p:cSld>
@@ -2159,7 +2159,7 @@
           <p:cNvPr id="2" name="标题 1">
             <a:extLst>
               <a:ext uri="{FF2B5EF4-FFF2-40B4-BE49-F238E27FC236}">
-                <a16:creationId xmlns:a16="http://schemas.microsoft.com/office/drawing/2014/main" id="{EA926F75-DBBA-EF9E-C0E2-638EFD431ECE}"/>
+                <a16:creationId xmlns:a16="http://schemas.microsoft.com/office/drawing/2014/main" id="{1145D549-6937-4036-D52E-06DC395072A2}"/>
               </a:ext>
             </a:extLst>
           </p:cNvPr>
@@ -2196,7 +2196,7 @@
           <p:cNvPr id="3" name="内容占位符 2">
             <a:extLst>
               <a:ext uri="{FF2B5EF4-FFF2-40B4-BE49-F238E27FC236}">
-                <a16:creationId xmlns:a16="http://schemas.microsoft.com/office/drawing/2014/main" id="{D6480C1F-6F3B-C484-8D77-8CB996C7193D}"/>
+                <a16:creationId xmlns:a16="http://schemas.microsoft.com/office/drawing/2014/main" id="{FEF3402C-242C-5FE3-7C77-C813D1665B3D}"/>
               </a:ext>
             </a:extLst>
           </p:cNvPr>
@@ -2286,7 +2286,7 @@
           <p:cNvPr id="4" name="文本占位符 3">
             <a:extLst>
               <a:ext uri="{FF2B5EF4-FFF2-40B4-BE49-F238E27FC236}">
-                <a16:creationId xmlns:a16="http://schemas.microsoft.com/office/drawing/2014/main" id="{F454AF20-F945-9CE1-1289-065B79D66A8B}"/>
+                <a16:creationId xmlns:a16="http://schemas.microsoft.com/office/drawing/2014/main" id="{EB7236D7-8DD3-0BF5-3DEE-B383BCD2BF89}"/>
               </a:ext>
             </a:extLst>
           </p:cNvPr>
@@ -2357,7 +2357,7 @@
           <p:cNvPr id="5" name="日期占位符 4">
             <a:extLst>
               <a:ext uri="{FF2B5EF4-FFF2-40B4-BE49-F238E27FC236}">
-                <a16:creationId xmlns:a16="http://schemas.microsoft.com/office/drawing/2014/main" id="{44AEF51A-9325-8CD8-6B1C-D6071C982490}"/>
+                <a16:creationId xmlns:a16="http://schemas.microsoft.com/office/drawing/2014/main" id="{44713E81-824C-BC00-35B7-60D4BFAF6E57}"/>
               </a:ext>
             </a:extLst>
           </p:cNvPr>
@@ -2373,7 +2373,7 @@
           <a:bodyPr/>
           <a:lstStyle/>
           <a:p>
-            <a:fld id="{C7D34BE7-0F6A-4311-9AEF-CF951988EB26}" type="datetimeFigureOut">
+            <a:fld id="{7939C452-2CC5-40B2-AF3C-EF26325BC13B}" type="datetimeFigureOut">
               <a:rPr lang="zh-CN" altLang="en-US" smtClean="0"/>
               <a:t>2024/3/10</a:t>
             </a:fld>
@@ -2386,7 +2386,7 @@
           <p:cNvPr id="6" name="页脚占位符 5">
             <a:extLst>
               <a:ext uri="{FF2B5EF4-FFF2-40B4-BE49-F238E27FC236}">
-                <a16:creationId xmlns:a16="http://schemas.microsoft.com/office/drawing/2014/main" id="{5464A2C6-8172-9AC2-6851-4D45F52C61C9}"/>
+                <a16:creationId xmlns:a16="http://schemas.microsoft.com/office/drawing/2014/main" id="{176FDA56-29C8-81C3-A104-989FAD46F5E7}"/>
               </a:ext>
             </a:extLst>
           </p:cNvPr>
@@ -2411,7 +2411,7 @@
           <p:cNvPr id="7" name="灯片编号占位符 6">
             <a:extLst>
               <a:ext uri="{FF2B5EF4-FFF2-40B4-BE49-F238E27FC236}">
-                <a16:creationId xmlns:a16="http://schemas.microsoft.com/office/drawing/2014/main" id="{B0714D71-8980-83DD-89AC-5A0DD50792C2}"/>
+                <a16:creationId xmlns:a16="http://schemas.microsoft.com/office/drawing/2014/main" id="{97B0D111-4B07-9361-A98D-AA90236442FA}"/>
               </a:ext>
             </a:extLst>
           </p:cNvPr>
@@ -2427,7 +2427,7 @@
           <a:bodyPr/>
           <a:lstStyle/>
           <a:p>
-            <a:fld id="{5E6BAE86-2B0D-4A20-8A14-D25350EF1A2C}" type="slidenum">
+            <a:fld id="{F2ED9E47-4363-4832-B13E-A2251D44D171}" type="slidenum">
               <a:rPr lang="zh-CN" altLang="en-US" smtClean="0"/>
               <a:t>‹#›</a:t>
             </a:fld>
@@ -2438,7 +2438,7 @@
     </p:spTree>
     <p:extLst>
       <p:ext uri="{BB962C8B-B14F-4D97-AF65-F5344CB8AC3E}">
-        <p14:creationId xmlns:p14="http://schemas.microsoft.com/office/powerpoint/2010/main" val="2911776442"/>
+        <p14:creationId xmlns:p14="http://schemas.microsoft.com/office/powerpoint/2010/main" val="4284401923"/>
       </p:ext>
     </p:extLst>
   </p:cSld>
@@ -2470,7 +2470,7 @@
           <p:cNvPr id="2" name="标题 1">
             <a:extLst>
               <a:ext uri="{FF2B5EF4-FFF2-40B4-BE49-F238E27FC236}">
-                <a16:creationId xmlns:a16="http://schemas.microsoft.com/office/drawing/2014/main" id="{51D26103-31BE-7CE3-E67D-2E747FB20E15}"/>
+                <a16:creationId xmlns:a16="http://schemas.microsoft.com/office/drawing/2014/main" id="{8620A1F5-66A7-5E42-12C0-93506C4D7D65}"/>
               </a:ext>
             </a:extLst>
           </p:cNvPr>
@@ -2507,7 +2507,7 @@
           <p:cNvPr id="3" name="图片占位符 2">
             <a:extLst>
               <a:ext uri="{FF2B5EF4-FFF2-40B4-BE49-F238E27FC236}">
-                <a16:creationId xmlns:a16="http://schemas.microsoft.com/office/drawing/2014/main" id="{9A0D452E-7B07-C29B-2C89-964DB1676EB7}"/>
+                <a16:creationId xmlns:a16="http://schemas.microsoft.com/office/drawing/2014/main" id="{895998CE-9406-0B8A-E43C-BAEF9D378BD5}"/>
               </a:ext>
             </a:extLst>
           </p:cNvPr>
@@ -2574,7 +2574,7 @@
           <p:cNvPr id="4" name="文本占位符 3">
             <a:extLst>
               <a:ext uri="{FF2B5EF4-FFF2-40B4-BE49-F238E27FC236}">
-                <a16:creationId xmlns:a16="http://schemas.microsoft.com/office/drawing/2014/main" id="{540B4FB7-E561-A4DB-1129-03F67E3D821E}"/>
+                <a16:creationId xmlns:a16="http://schemas.microsoft.com/office/drawing/2014/main" id="{D496ED91-4363-25E9-274D-05F06906861E}"/>
               </a:ext>
             </a:extLst>
           </p:cNvPr>
@@ -2645,7 +2645,7 @@
           <p:cNvPr id="5" name="日期占位符 4">
             <a:extLst>
               <a:ext uri="{FF2B5EF4-FFF2-40B4-BE49-F238E27FC236}">
-                <a16:creationId xmlns:a16="http://schemas.microsoft.com/office/drawing/2014/main" id="{7627DD94-5BFA-833A-736E-646791FF15D7}"/>
+                <a16:creationId xmlns:a16="http://schemas.microsoft.com/office/drawing/2014/main" id="{FCA81B69-6509-3F61-33CA-9FEDF2DE698B}"/>
               </a:ext>
             </a:extLst>
           </p:cNvPr>
@@ -2661,7 +2661,7 @@
           <a:bodyPr/>
           <a:lstStyle/>
           <a:p>
-            <a:fld id="{C7D34BE7-0F6A-4311-9AEF-CF951988EB26}" type="datetimeFigureOut">
+            <a:fld id="{7939C452-2CC5-40B2-AF3C-EF26325BC13B}" type="datetimeFigureOut">
               <a:rPr lang="zh-CN" altLang="en-US" smtClean="0"/>
               <a:t>2024/3/10</a:t>
             </a:fld>
@@ -2674,7 +2674,7 @@
           <p:cNvPr id="6" name="页脚占位符 5">
             <a:extLst>
               <a:ext uri="{FF2B5EF4-FFF2-40B4-BE49-F238E27FC236}">
-                <a16:creationId xmlns:a16="http://schemas.microsoft.com/office/drawing/2014/main" id="{6719EB2E-440F-5B4A-A673-679683AF03D7}"/>
+                <a16:creationId xmlns:a16="http://schemas.microsoft.com/office/drawing/2014/main" id="{98C01963-4242-176B-E832-6FE1B3640466}"/>
               </a:ext>
             </a:extLst>
           </p:cNvPr>
@@ -2699,7 +2699,7 @@
           <p:cNvPr id="7" name="灯片编号占位符 6">
             <a:extLst>
               <a:ext uri="{FF2B5EF4-FFF2-40B4-BE49-F238E27FC236}">
-                <a16:creationId xmlns:a16="http://schemas.microsoft.com/office/drawing/2014/main" id="{CD097002-139F-B887-0414-A12BADF80A3B}"/>
+                <a16:creationId xmlns:a16="http://schemas.microsoft.com/office/drawing/2014/main" id="{33F5D112-887B-F57D-A8DF-27A5EF530526}"/>
               </a:ext>
             </a:extLst>
           </p:cNvPr>
@@ -2715,7 +2715,7 @@
           <a:bodyPr/>
           <a:lstStyle/>
           <a:p>
-            <a:fld id="{5E6BAE86-2B0D-4A20-8A14-D25350EF1A2C}" type="slidenum">
+            <a:fld id="{F2ED9E47-4363-4832-B13E-A2251D44D171}" type="slidenum">
               <a:rPr lang="zh-CN" altLang="en-US" smtClean="0"/>
               <a:t>‹#›</a:t>
             </a:fld>
@@ -2726,7 +2726,7 @@
     </p:spTree>
     <p:extLst>
       <p:ext uri="{BB962C8B-B14F-4D97-AF65-F5344CB8AC3E}">
-        <p14:creationId xmlns:p14="http://schemas.microsoft.com/office/powerpoint/2010/main" val="341194320"/>
+        <p14:creationId xmlns:p14="http://schemas.microsoft.com/office/powerpoint/2010/main" val="235555708"/>
       </p:ext>
     </p:extLst>
   </p:cSld>
@@ -2763,7 +2763,7 @@
           <p:cNvPr id="2" name="标题占位符 1">
             <a:extLst>
               <a:ext uri="{FF2B5EF4-FFF2-40B4-BE49-F238E27FC236}">
-                <a16:creationId xmlns:a16="http://schemas.microsoft.com/office/drawing/2014/main" id="{0A5F3C35-D778-4A17-305C-7FB4A9CD5E15}"/>
+                <a16:creationId xmlns:a16="http://schemas.microsoft.com/office/drawing/2014/main" id="{7103D9B3-5982-785D-CB30-6EF64BB32564}"/>
               </a:ext>
             </a:extLst>
           </p:cNvPr>
@@ -2801,7 +2801,7 @@
           <p:cNvPr id="3" name="文本占位符 2">
             <a:extLst>
               <a:ext uri="{FF2B5EF4-FFF2-40B4-BE49-F238E27FC236}">
-                <a16:creationId xmlns:a16="http://schemas.microsoft.com/office/drawing/2014/main" id="{9C1D24DB-CB3E-0649-05F2-EAFC1071AEB2}"/>
+                <a16:creationId xmlns:a16="http://schemas.microsoft.com/office/drawing/2014/main" id="{D6451C47-E1DF-1167-ED1B-70B698A0A8C4}"/>
               </a:ext>
             </a:extLst>
           </p:cNvPr>
@@ -2868,7 +2868,7 @@
           <p:cNvPr id="4" name="日期占位符 3">
             <a:extLst>
               <a:ext uri="{FF2B5EF4-FFF2-40B4-BE49-F238E27FC236}">
-                <a16:creationId xmlns:a16="http://schemas.microsoft.com/office/drawing/2014/main" id="{867058C2-195F-8CF2-278A-A344494FBD12}"/>
+                <a16:creationId xmlns:a16="http://schemas.microsoft.com/office/drawing/2014/main" id="{E2A11BF2-AD64-AA6A-810C-5AF4026329C8}"/>
               </a:ext>
             </a:extLst>
           </p:cNvPr>
@@ -2902,7 +2902,7 @@
             </a:lvl1pPr>
           </a:lstStyle>
           <a:p>
-            <a:fld id="{C7D34BE7-0F6A-4311-9AEF-CF951988EB26}" type="datetimeFigureOut">
+            <a:fld id="{7939C452-2CC5-40B2-AF3C-EF26325BC13B}" type="datetimeFigureOut">
               <a:rPr lang="zh-CN" altLang="en-US" smtClean="0"/>
               <a:t>2024/3/10</a:t>
             </a:fld>
@@ -2915,7 +2915,7 @@
           <p:cNvPr id="5" name="页脚占位符 4">
             <a:extLst>
               <a:ext uri="{FF2B5EF4-FFF2-40B4-BE49-F238E27FC236}">
-                <a16:creationId xmlns:a16="http://schemas.microsoft.com/office/drawing/2014/main" id="{5FE02441-DB4D-32A2-0959-D79DD61242A9}"/>
+                <a16:creationId xmlns:a16="http://schemas.microsoft.com/office/drawing/2014/main" id="{438A7E9D-1183-77AD-54DC-061E0124B9A0}"/>
               </a:ext>
             </a:extLst>
           </p:cNvPr>
@@ -2958,7 +2958,7 @@
           <p:cNvPr id="6" name="灯片编号占位符 5">
             <a:extLst>
               <a:ext uri="{FF2B5EF4-FFF2-40B4-BE49-F238E27FC236}">
-                <a16:creationId xmlns:a16="http://schemas.microsoft.com/office/drawing/2014/main" id="{7B8E5AC0-F982-0B8B-4BA0-B254633470E1}"/>
+                <a16:creationId xmlns:a16="http://schemas.microsoft.com/office/drawing/2014/main" id="{7489C947-8548-D485-074F-A58AABDFA35D}"/>
               </a:ext>
             </a:extLst>
           </p:cNvPr>
@@ -2992,7 +2992,7 @@
             </a:lvl1pPr>
           </a:lstStyle>
           <a:p>
-            <a:fld id="{5E6BAE86-2B0D-4A20-8A14-D25350EF1A2C}" type="slidenum">
+            <a:fld id="{F2ED9E47-4363-4832-B13E-A2251D44D171}" type="slidenum">
               <a:rPr lang="zh-CN" altLang="en-US" smtClean="0"/>
               <a:t>‹#›</a:t>
             </a:fld>
@@ -3003,7 +3003,7 @@
     </p:spTree>
     <p:extLst>
       <p:ext uri="{BB962C8B-B14F-4D97-AF65-F5344CB8AC3E}">
-        <p14:creationId xmlns:p14="http://schemas.microsoft.com/office/powerpoint/2010/main" val="516627486"/>
+        <p14:creationId xmlns:p14="http://schemas.microsoft.com/office/powerpoint/2010/main" val="1713030195"/>
       </p:ext>
     </p:extLst>
   </p:cSld>
